--- a/Backend/Backend.pptx
+++ b/Backend/Backend.pptx
@@ -5,7 +5,7 @@
     <p:sldMasterId id="2147483672" r:id="rId1"/>
   </p:sldMasterIdLst>
   <p:notesMasterIdLst>
-    <p:notesMasterId r:id="rId25"/>
+    <p:notesMasterId r:id="rId27"/>
   </p:notesMasterIdLst>
   <p:sldIdLst>
     <p:sldId id="256" r:id="rId2"/>
@@ -19,18 +19,20 @@
     <p:sldId id="264" r:id="rId10"/>
     <p:sldId id="265" r:id="rId11"/>
     <p:sldId id="266" r:id="rId12"/>
-    <p:sldId id="267" r:id="rId13"/>
-    <p:sldId id="268" r:id="rId14"/>
-    <p:sldId id="269" r:id="rId15"/>
-    <p:sldId id="270" r:id="rId16"/>
-    <p:sldId id="271" r:id="rId17"/>
-    <p:sldId id="272" r:id="rId18"/>
-    <p:sldId id="273" r:id="rId19"/>
-    <p:sldId id="274" r:id="rId20"/>
-    <p:sldId id="275" r:id="rId21"/>
-    <p:sldId id="276" r:id="rId22"/>
-    <p:sldId id="277" r:id="rId23"/>
-    <p:sldId id="278" r:id="rId24"/>
+    <p:sldId id="280" r:id="rId13"/>
+    <p:sldId id="279" r:id="rId14"/>
+    <p:sldId id="267" r:id="rId15"/>
+    <p:sldId id="268" r:id="rId16"/>
+    <p:sldId id="269" r:id="rId17"/>
+    <p:sldId id="270" r:id="rId18"/>
+    <p:sldId id="271" r:id="rId19"/>
+    <p:sldId id="272" r:id="rId20"/>
+    <p:sldId id="273" r:id="rId21"/>
+    <p:sldId id="274" r:id="rId22"/>
+    <p:sldId id="275" r:id="rId23"/>
+    <p:sldId id="276" r:id="rId24"/>
+    <p:sldId id="277" r:id="rId25"/>
+    <p:sldId id="278" r:id="rId26"/>
   </p:sldIdLst>
   <p:sldSz cx="12192000" cy="6858000"/>
   <p:notesSz cx="6858000" cy="9144000"/>
@@ -4227,7 +4229,7 @@
           <p:cNvPr id="2" name="Titel 1">
             <a:extLst>
               <a:ext uri="{FF2B5EF4-FFF2-40B4-BE49-F238E27FC236}">
-                <a16:creationId xmlns:a16="http://schemas.microsoft.com/office/drawing/2014/main" id="{5C9E3680-E2CC-41B8-82F5-5341A0CF9A6F}"/>
+                <a16:creationId xmlns:a16="http://schemas.microsoft.com/office/drawing/2014/main" id="{3007D88C-91EA-4686-81BA-B8C2FAB60205}"/>
               </a:ext>
             </a:extLst>
           </p:cNvPr>
@@ -4245,87 +4247,85 @@
           <a:p>
             <a:r>
               <a:rPr lang="de-DE" dirty="0"/>
-              <a:t>gRPC – Protocol Buffers</a:t>
-            </a:r>
-          </a:p>
-        </p:txBody>
-      </p:sp>
-      <p:sp>
-        <p:nvSpPr>
-          <p:cNvPr id="7" name="Inhaltsplatzhalter 6">
-            <a:extLst>
-              <a:ext uri="{FF2B5EF4-FFF2-40B4-BE49-F238E27FC236}">
-                <a16:creationId xmlns:a16="http://schemas.microsoft.com/office/drawing/2014/main" id="{24645A32-2FBE-48A6-A09A-89699DF7AA6F}"/>
-              </a:ext>
-            </a:extLst>
-          </p:cNvPr>
-          <p:cNvSpPr>
-            <a:spLocks noGrp="1"/>
-          </p:cNvSpPr>
-          <p:nvPr>
-            <p:ph idx="1"/>
-          </p:nvPr>
-        </p:nvSpPr>
-        <p:spPr/>
-        <p:txBody>
-          <a:bodyPr/>
-          <a:lstStyle/>
-          <a:p>
-            <a:r>
-              <a:rPr lang="de-DE" dirty="0"/>
-              <a:t>Serialisierung strukturierter Daten</a:t>
-            </a:r>
-          </a:p>
-          <a:p>
-            <a:r>
-              <a:rPr lang="de-DE" dirty="0"/>
-              <a:t>Ähnlich zu JSON/XML</a:t>
-            </a:r>
-          </a:p>
-          <a:p>
-            <a:r>
-              <a:rPr lang="de-DE" dirty="0"/>
-              <a:t>Generiert Klassen mit Getter-/Setter-Methoden</a:t>
-            </a:r>
+              <a:t>GRPC - </a:t>
+            </a:r>
+            <a:r>
+              <a:rPr lang="de-DE" dirty="0" err="1"/>
+              <a:t>ServerPush</a:t>
+            </a:r>
+            <a:endParaRPr lang="de-DE" dirty="0"/>
           </a:p>
         </p:txBody>
       </p:sp>
       <p:pic>
         <p:nvPicPr>
-          <p:cNvPr id="8" name="Inhaltsplatzhalter 5">
-            <a:extLst>
-              <a:ext uri="{FF2B5EF4-FFF2-40B4-BE49-F238E27FC236}">
-                <a16:creationId xmlns:a16="http://schemas.microsoft.com/office/drawing/2014/main" id="{ED82FF89-7686-4C4F-926B-23D8EF5307B9}"/>
+          <p:cNvPr id="7" name="Inhaltsplatzhalter 6" descr="Ein Bild, das Text enthält.&#10;&#10;Mit hoher Zuverlässigkeit generierte Beschreibung">
+            <a:extLst>
+              <a:ext uri="{FF2B5EF4-FFF2-40B4-BE49-F238E27FC236}">
+                <a16:creationId xmlns:a16="http://schemas.microsoft.com/office/drawing/2014/main" id="{4583757E-5228-4D0F-8281-E521EFE1A242}"/>
               </a:ext>
             </a:extLst>
           </p:cNvPr>
           <p:cNvPicPr>
-            <a:picLocks noChangeAspect="1"/>
+            <a:picLocks noGrp="1" noChangeAspect="1"/>
           </p:cNvPicPr>
-          <p:nvPr/>
+          <p:nvPr>
+            <p:ph idx="1"/>
+          </p:nvPr>
         </p:nvPicPr>
         <p:blipFill>
-          <a:blip r:embed="rId2"/>
+          <a:blip r:embed="rId2">
+            <a:extLst>
+              <a:ext uri="{28A0092B-C50C-407E-A947-70E740481C1C}">
+                <a14:useLocalDpi xmlns:a14="http://schemas.microsoft.com/office/drawing/2010/main" val="0"/>
+              </a:ext>
+            </a:extLst>
+          </a:blip>
           <a:stretch>
             <a:fillRect/>
           </a:stretch>
         </p:blipFill>
         <p:spPr>
           <a:xfrm>
-            <a:off x="4228336" y="3724502"/>
-            <a:ext cx="3735328" cy="2587398"/>
+            <a:off x="2012432" y="2286000"/>
+            <a:ext cx="7743273" cy="4022725"/>
           </a:xfrm>
-          <a:prstGeom prst="rect">
-            <a:avLst/>
-          </a:prstGeom>
         </p:spPr>
       </p:pic>
       <p:sp>
         <p:nvSpPr>
-          <p:cNvPr id="9" name="Foliennummernplatzhalter 8">
-            <a:extLst>
-              <a:ext uri="{FF2B5EF4-FFF2-40B4-BE49-F238E27FC236}">
-                <a16:creationId xmlns:a16="http://schemas.microsoft.com/office/drawing/2014/main" id="{E082E0C8-BF33-4CF3-9324-400D14E4C8A2}"/>
+          <p:cNvPr id="4" name="Fußzeilenplatzhalter 3">
+            <a:extLst>
+              <a:ext uri="{FF2B5EF4-FFF2-40B4-BE49-F238E27FC236}">
+                <a16:creationId xmlns:a16="http://schemas.microsoft.com/office/drawing/2014/main" id="{2F9A7FA0-A77A-4F03-B9E5-45ED62FC2480}"/>
+              </a:ext>
+            </a:extLst>
+          </p:cNvPr>
+          <p:cNvSpPr>
+            <a:spLocks noGrp="1"/>
+          </p:cNvSpPr>
+          <p:nvPr>
+            <p:ph type="ftr" sz="quarter" idx="11"/>
+          </p:nvPr>
+        </p:nvSpPr>
+        <p:spPr/>
+        <p:txBody>
+          <a:bodyPr/>
+          <a:lstStyle/>
+          <a:p>
+            <a:r>
+              <a:rPr lang="de-DE"/>
+              <a:t>Fynn Klöpper - NodeJS &amp; API-Technologien</a:t>
+            </a:r>
+          </a:p>
+        </p:txBody>
+      </p:sp>
+      <p:sp>
+        <p:nvSpPr>
+          <p:cNvPr id="5" name="Foliennummernplatzhalter 4">
+            <a:extLst>
+              <a:ext uri="{FF2B5EF4-FFF2-40B4-BE49-F238E27FC236}">
+                <a16:creationId xmlns:a16="http://schemas.microsoft.com/office/drawing/2014/main" id="{F8633743-D719-49C8-A0B6-4471E3692A11}"/>
               </a:ext>
             </a:extLst>
           </p:cNvPr>
@@ -4349,38 +4349,10 @@
           </a:p>
         </p:txBody>
       </p:sp>
-      <p:sp>
-        <p:nvSpPr>
-          <p:cNvPr id="10" name="Fußzeilenplatzhalter 9">
-            <a:extLst>
-              <a:ext uri="{FF2B5EF4-FFF2-40B4-BE49-F238E27FC236}">
-                <a16:creationId xmlns:a16="http://schemas.microsoft.com/office/drawing/2014/main" id="{48EF6C5F-5ADF-40EE-B8B0-75FFF4F48CEC}"/>
-              </a:ext>
-            </a:extLst>
-          </p:cNvPr>
-          <p:cNvSpPr>
-            <a:spLocks noGrp="1"/>
-          </p:cNvSpPr>
-          <p:nvPr>
-            <p:ph type="ftr" sz="quarter" idx="11"/>
-          </p:nvPr>
-        </p:nvSpPr>
-        <p:spPr/>
-        <p:txBody>
-          <a:bodyPr/>
-          <a:lstStyle/>
-          <a:p>
-            <a:r>
-              <a:rPr lang="de-DE"/>
-              <a:t>Fynn Klöpper - NodeJS &amp; API-Technologien</a:t>
-            </a:r>
-          </a:p>
-        </p:txBody>
-      </p:sp>
     </p:spTree>
     <p:extLst>
       <p:ext uri="{BB962C8B-B14F-4D97-AF65-F5344CB8AC3E}">
-        <p14:creationId xmlns:p14="http://schemas.microsoft.com/office/powerpoint/2010/main" val="2435037741"/>
+        <p14:creationId xmlns:p14="http://schemas.microsoft.com/office/powerpoint/2010/main" val="3458020238"/>
       </p:ext>
     </p:extLst>
   </p:cSld>
@@ -4412,7 +4384,7 @@
           <p:cNvPr id="2" name="Titel 1">
             <a:extLst>
               <a:ext uri="{FF2B5EF4-FFF2-40B4-BE49-F238E27FC236}">
-                <a16:creationId xmlns:a16="http://schemas.microsoft.com/office/drawing/2014/main" id="{D7123FFE-0412-4016-ACD4-176D6435FCF7}"/>
+                <a16:creationId xmlns:a16="http://schemas.microsoft.com/office/drawing/2014/main" id="{33676A42-8111-4B36-9BCE-8479C458F09E}"/>
               </a:ext>
             </a:extLst>
           </p:cNvPr>
@@ -4430,7 +4402,7 @@
           <a:p>
             <a:r>
               <a:rPr lang="de-DE" dirty="0"/>
-              <a:t>gRPC – Vorteile	</a:t>
+              <a:t>gRPC – HTTP/2</a:t>
             </a:r>
           </a:p>
         </p:txBody>
@@ -4440,7 +4412,7 @@
           <p:cNvPr id="3" name="Inhaltsplatzhalter 2">
             <a:extLst>
               <a:ext uri="{FF2B5EF4-FFF2-40B4-BE49-F238E27FC236}">
-                <a16:creationId xmlns:a16="http://schemas.microsoft.com/office/drawing/2014/main" id="{D4B020BD-94DF-4B9D-BAFF-FB52479114ED}"/>
+                <a16:creationId xmlns:a16="http://schemas.microsoft.com/office/drawing/2014/main" id="{B92234DB-3FCC-4282-A3F6-6A649D2162A2}"/>
               </a:ext>
             </a:extLst>
           </p:cNvPr>
@@ -4457,15 +4429,40 @@
           <a:lstStyle/>
           <a:p>
             <a:r>
-              <a:rPr lang="de-DE" dirty="0"/>
-              <a:t>Performance </a:t>
-            </a:r>
-          </a:p>
-          <a:p>
-            <a:r>
-              <a:rPr lang="de-DE" dirty="0"/>
-              <a:t>Geringe Datengröße</a:t>
-            </a:r>
+              <a:rPr lang="de-DE" dirty="0" err="1"/>
+              <a:t>ServerPush</a:t>
+            </a:r>
+            <a:endParaRPr lang="de-DE" dirty="0"/>
+          </a:p>
+          <a:p>
+            <a:r>
+              <a:rPr lang="de-DE" dirty="0"/>
+              <a:t>Kommunikation auf einem Kanal</a:t>
+            </a:r>
+          </a:p>
+          <a:p>
+            <a:r>
+              <a:rPr lang="de-DE" dirty="0"/>
+              <a:t>Stream Priorisierung</a:t>
+            </a:r>
+          </a:p>
+          <a:p>
+            <a:r>
+              <a:rPr lang="de-DE" dirty="0"/>
+              <a:t>Kompression des Headers</a:t>
+            </a:r>
+          </a:p>
+          <a:p>
+            <a:pPr marL="0" indent="0">
+              <a:buNone/>
+            </a:pPr>
+            <a:r>
+              <a:rPr lang="de-DE" dirty="0">
+                <a:sym typeface="Wingdings" panose="05000000000000000000" pitchFamily="2" charset="2"/>
+              </a:rPr>
+              <a:t> Höhere Geschwindigkeiten und weniger Overhead</a:t>
+            </a:r>
+            <a:endParaRPr lang="de-DE" dirty="0"/>
           </a:p>
         </p:txBody>
       </p:sp>
@@ -4474,7 +4471,7 @@
           <p:cNvPr id="4" name="Foliennummernplatzhalter 3">
             <a:extLst>
               <a:ext uri="{FF2B5EF4-FFF2-40B4-BE49-F238E27FC236}">
-                <a16:creationId xmlns:a16="http://schemas.microsoft.com/office/drawing/2014/main" id="{CC5D2058-2C09-4AE3-9E31-0567EAB1714C}"/>
+                <a16:creationId xmlns:a16="http://schemas.microsoft.com/office/drawing/2014/main" id="{F8EB6530-24B6-424B-A335-C58585EFE8ED}"/>
               </a:ext>
             </a:extLst>
           </p:cNvPr>
@@ -4503,7 +4500,7 @@
           <p:cNvPr id="5" name="Fußzeilenplatzhalter 4">
             <a:extLst>
               <a:ext uri="{FF2B5EF4-FFF2-40B4-BE49-F238E27FC236}">
-                <a16:creationId xmlns:a16="http://schemas.microsoft.com/office/drawing/2014/main" id="{54876322-3E5C-473A-93FF-EA426F28D8C5}"/>
+                <a16:creationId xmlns:a16="http://schemas.microsoft.com/office/drawing/2014/main" id="{DEA31A06-16E7-450C-B042-7DAA7CE0443A}"/>
               </a:ext>
             </a:extLst>
           </p:cNvPr>
@@ -4529,7 +4526,7 @@
     </p:spTree>
     <p:extLst>
       <p:ext uri="{BB962C8B-B14F-4D97-AF65-F5344CB8AC3E}">
-        <p14:creationId xmlns:p14="http://schemas.microsoft.com/office/powerpoint/2010/main" val="2516696959"/>
+        <p14:creationId xmlns:p14="http://schemas.microsoft.com/office/powerpoint/2010/main" val="4256928026"/>
       </p:ext>
     </p:extLst>
   </p:cSld>
@@ -4561,7 +4558,7 @@
           <p:cNvPr id="2" name="Titel 1">
             <a:extLst>
               <a:ext uri="{FF2B5EF4-FFF2-40B4-BE49-F238E27FC236}">
-                <a16:creationId xmlns:a16="http://schemas.microsoft.com/office/drawing/2014/main" id="{E5369C83-7FB0-4581-9553-DB44D9618093}"/>
+                <a16:creationId xmlns:a16="http://schemas.microsoft.com/office/drawing/2014/main" id="{5C9E3680-E2CC-41B8-82F5-5341A0CF9A6F}"/>
               </a:ext>
             </a:extLst>
           </p:cNvPr>
@@ -4579,17 +4576,17 @@
           <a:p>
             <a:r>
               <a:rPr lang="de-DE" dirty="0"/>
-              <a:t>gRPC – Nachteile		</a:t>
-            </a:r>
-          </a:p>
-        </p:txBody>
-      </p:sp>
-      <p:sp>
-        <p:nvSpPr>
-          <p:cNvPr id="3" name="Inhaltsplatzhalter 2">
-            <a:extLst>
-              <a:ext uri="{FF2B5EF4-FFF2-40B4-BE49-F238E27FC236}">
-                <a16:creationId xmlns:a16="http://schemas.microsoft.com/office/drawing/2014/main" id="{03DA1705-1692-4CBC-836E-56202067DA66}"/>
+              <a:t>gRPC – Protocol Buffers</a:t>
+            </a:r>
+          </a:p>
+        </p:txBody>
+      </p:sp>
+      <p:sp>
+        <p:nvSpPr>
+          <p:cNvPr id="7" name="Inhaltsplatzhalter 6">
+            <a:extLst>
+              <a:ext uri="{FF2B5EF4-FFF2-40B4-BE49-F238E27FC236}">
+                <a16:creationId xmlns:a16="http://schemas.microsoft.com/office/drawing/2014/main" id="{24645A32-2FBE-48A6-A09A-89699DF7AA6F}"/>
               </a:ext>
             </a:extLst>
           </p:cNvPr>
@@ -4607,31 +4604,59 @@
           <a:p>
             <a:r>
               <a:rPr lang="de-DE" dirty="0"/>
-              <a:t>Browserinkompatibilität</a:t>
-            </a:r>
-          </a:p>
-          <a:p>
-            <a:pPr lvl="1"/>
-            <a:r>
-              <a:rPr lang="de-DE" dirty="0"/>
-              <a:t>Aktuelle gRPC-Bibliotheken durch technische Limitierungen beschränkt</a:t>
-            </a:r>
-          </a:p>
-          <a:p>
-            <a:pPr lvl="1"/>
-            <a:r>
-              <a:rPr lang="de-DE" dirty="0"/>
-              <a:t>Proxydienst </a:t>
-            </a:r>
-          </a:p>
-        </p:txBody>
-      </p:sp>
-      <p:sp>
-        <p:nvSpPr>
-          <p:cNvPr id="4" name="Foliennummernplatzhalter 3">
-            <a:extLst>
-              <a:ext uri="{FF2B5EF4-FFF2-40B4-BE49-F238E27FC236}">
-                <a16:creationId xmlns:a16="http://schemas.microsoft.com/office/drawing/2014/main" id="{B8EDA77D-7CFA-461B-B492-A54136B357EE}"/>
+              <a:t>Serialisierung strukturierter Daten</a:t>
+            </a:r>
+          </a:p>
+          <a:p>
+            <a:r>
+              <a:rPr lang="de-DE" dirty="0"/>
+              <a:t>Ähnlich zu JSON/XML</a:t>
+            </a:r>
+          </a:p>
+          <a:p>
+            <a:r>
+              <a:rPr lang="de-DE" dirty="0"/>
+              <a:t>Generiert Klassen mit Getter-/Setter-Methoden</a:t>
+            </a:r>
+          </a:p>
+        </p:txBody>
+      </p:sp>
+      <p:pic>
+        <p:nvPicPr>
+          <p:cNvPr id="8" name="Inhaltsplatzhalter 5">
+            <a:extLst>
+              <a:ext uri="{FF2B5EF4-FFF2-40B4-BE49-F238E27FC236}">
+                <a16:creationId xmlns:a16="http://schemas.microsoft.com/office/drawing/2014/main" id="{ED82FF89-7686-4C4F-926B-23D8EF5307B9}"/>
+              </a:ext>
+            </a:extLst>
+          </p:cNvPr>
+          <p:cNvPicPr>
+            <a:picLocks noChangeAspect="1"/>
+          </p:cNvPicPr>
+          <p:nvPr/>
+        </p:nvPicPr>
+        <p:blipFill>
+          <a:blip r:embed="rId2"/>
+          <a:stretch>
+            <a:fillRect/>
+          </a:stretch>
+        </p:blipFill>
+        <p:spPr>
+          <a:xfrm>
+            <a:off x="4228336" y="3724502"/>
+            <a:ext cx="3735328" cy="2587398"/>
+          </a:xfrm>
+          <a:prstGeom prst="rect">
+            <a:avLst/>
+          </a:prstGeom>
+        </p:spPr>
+      </p:pic>
+      <p:sp>
+        <p:nvSpPr>
+          <p:cNvPr id="9" name="Foliennummernplatzhalter 8">
+            <a:extLst>
+              <a:ext uri="{FF2B5EF4-FFF2-40B4-BE49-F238E27FC236}">
+                <a16:creationId xmlns:a16="http://schemas.microsoft.com/office/drawing/2014/main" id="{E082E0C8-BF33-4CF3-9324-400D14E4C8A2}"/>
               </a:ext>
             </a:extLst>
           </p:cNvPr>
@@ -4657,10 +4682,10 @@
       </p:sp>
       <p:sp>
         <p:nvSpPr>
-          <p:cNvPr id="5" name="Fußzeilenplatzhalter 4">
-            <a:extLst>
-              <a:ext uri="{FF2B5EF4-FFF2-40B4-BE49-F238E27FC236}">
-                <a16:creationId xmlns:a16="http://schemas.microsoft.com/office/drawing/2014/main" id="{C495A541-5FCB-4238-91F2-E8613F71F341}"/>
+          <p:cNvPr id="10" name="Fußzeilenplatzhalter 9">
+            <a:extLst>
+              <a:ext uri="{FF2B5EF4-FFF2-40B4-BE49-F238E27FC236}">
+                <a16:creationId xmlns:a16="http://schemas.microsoft.com/office/drawing/2014/main" id="{48EF6C5F-5ADF-40EE-B8B0-75FFF4F48CEC}"/>
               </a:ext>
             </a:extLst>
           </p:cNvPr>
@@ -4686,7 +4711,7 @@
     </p:spTree>
     <p:extLst>
       <p:ext uri="{BB962C8B-B14F-4D97-AF65-F5344CB8AC3E}">
-        <p14:creationId xmlns:p14="http://schemas.microsoft.com/office/powerpoint/2010/main" val="3892752558"/>
+        <p14:creationId xmlns:p14="http://schemas.microsoft.com/office/powerpoint/2010/main" val="2435037741"/>
       </p:ext>
     </p:extLst>
   </p:cSld>
@@ -4718,7 +4743,7 @@
           <p:cNvPr id="2" name="Titel 1">
             <a:extLst>
               <a:ext uri="{FF2B5EF4-FFF2-40B4-BE49-F238E27FC236}">
-                <a16:creationId xmlns:a16="http://schemas.microsoft.com/office/drawing/2014/main" id="{8D2E03BE-CD39-4F7C-8967-035C898F9EE5}"/>
+                <a16:creationId xmlns:a16="http://schemas.microsoft.com/office/drawing/2014/main" id="{D7123FFE-0412-4016-ACD4-176D6435FCF7}"/>
               </a:ext>
             </a:extLst>
           </p:cNvPr>
@@ -4736,7 +4761,7 @@
           <a:p>
             <a:r>
               <a:rPr lang="de-DE" dirty="0"/>
-              <a:t>REST - Allgemein</a:t>
+              <a:t>gRPC – Vorteile	</a:t>
             </a:r>
           </a:p>
         </p:txBody>
@@ -4746,7 +4771,7 @@
           <p:cNvPr id="3" name="Inhaltsplatzhalter 2">
             <a:extLst>
               <a:ext uri="{FF2B5EF4-FFF2-40B4-BE49-F238E27FC236}">
-                <a16:creationId xmlns:a16="http://schemas.microsoft.com/office/drawing/2014/main" id="{376AB494-AB1D-416A-AC7F-C3424B00B075}"/>
+                <a16:creationId xmlns:a16="http://schemas.microsoft.com/office/drawing/2014/main" id="{D4B020BD-94DF-4B9D-BAFF-FB52479114ED}"/>
               </a:ext>
             </a:extLst>
           </p:cNvPr>
@@ -4764,47 +4789,13 @@
           <a:p>
             <a:r>
               <a:rPr lang="de-DE" dirty="0"/>
-              <a:t>Bewährte API-Technologie</a:t>
-            </a:r>
-          </a:p>
-          <a:p>
-            <a:r>
-              <a:rPr lang="de-DE" dirty="0"/>
-              <a:t>Seit 2000 von Roy Fielding</a:t>
-            </a:r>
-          </a:p>
-          <a:p>
-            <a:r>
-              <a:rPr lang="de-DE" dirty="0"/>
-              <a:t>Kommunikation über HTTP-Anfragen</a:t>
-            </a:r>
-          </a:p>
-          <a:p>
-            <a:pPr lvl="1"/>
-            <a:r>
-              <a:rPr lang="de-DE" dirty="0"/>
-              <a:t>GET</a:t>
-            </a:r>
-          </a:p>
-          <a:p>
-            <a:pPr lvl="1"/>
-            <a:r>
-              <a:rPr lang="de-DE" dirty="0"/>
-              <a:t>POST</a:t>
-            </a:r>
-          </a:p>
-          <a:p>
-            <a:pPr lvl="1"/>
-            <a:r>
-              <a:rPr lang="de-DE" dirty="0"/>
-              <a:t>PUT</a:t>
-            </a:r>
-          </a:p>
-          <a:p>
-            <a:pPr lvl="1"/>
-            <a:r>
-              <a:rPr lang="de-DE" dirty="0"/>
-              <a:t>DELETE</a:t>
+              <a:t>Performance </a:t>
+            </a:r>
+          </a:p>
+          <a:p>
+            <a:r>
+              <a:rPr lang="de-DE" dirty="0"/>
+              <a:t>Geringe Datengröße</a:t>
             </a:r>
           </a:p>
         </p:txBody>
@@ -4814,7 +4805,7 @@
           <p:cNvPr id="4" name="Foliennummernplatzhalter 3">
             <a:extLst>
               <a:ext uri="{FF2B5EF4-FFF2-40B4-BE49-F238E27FC236}">
-                <a16:creationId xmlns:a16="http://schemas.microsoft.com/office/drawing/2014/main" id="{9DC7D920-1A03-4657-A9D8-D222D2256E27}"/>
+                <a16:creationId xmlns:a16="http://schemas.microsoft.com/office/drawing/2014/main" id="{CC5D2058-2C09-4AE3-9E31-0567EAB1714C}"/>
               </a:ext>
             </a:extLst>
           </p:cNvPr>
@@ -4843,7 +4834,7 @@
           <p:cNvPr id="5" name="Fußzeilenplatzhalter 4">
             <a:extLst>
               <a:ext uri="{FF2B5EF4-FFF2-40B4-BE49-F238E27FC236}">
-                <a16:creationId xmlns:a16="http://schemas.microsoft.com/office/drawing/2014/main" id="{1A7EE7F0-A714-4331-99FB-E1B6346A4DA7}"/>
+                <a16:creationId xmlns:a16="http://schemas.microsoft.com/office/drawing/2014/main" id="{54876322-3E5C-473A-93FF-EA426F28D8C5}"/>
               </a:ext>
             </a:extLst>
           </p:cNvPr>
@@ -4869,7 +4860,7 @@
     </p:spTree>
     <p:extLst>
       <p:ext uri="{BB962C8B-B14F-4D97-AF65-F5344CB8AC3E}">
-        <p14:creationId xmlns:p14="http://schemas.microsoft.com/office/powerpoint/2010/main" val="3601629058"/>
+        <p14:creationId xmlns:p14="http://schemas.microsoft.com/office/powerpoint/2010/main" val="2516696959"/>
       </p:ext>
     </p:extLst>
   </p:cSld>
@@ -4901,7 +4892,7 @@
           <p:cNvPr id="2" name="Titel 1">
             <a:extLst>
               <a:ext uri="{FF2B5EF4-FFF2-40B4-BE49-F238E27FC236}">
-                <a16:creationId xmlns:a16="http://schemas.microsoft.com/office/drawing/2014/main" id="{FEBDAE2A-7051-4A5C-B9C9-ACB668E7FAB0}"/>
+                <a16:creationId xmlns:a16="http://schemas.microsoft.com/office/drawing/2014/main" id="{E5369C83-7FB0-4581-9553-DB44D9618093}"/>
               </a:ext>
             </a:extLst>
           </p:cNvPr>
@@ -4919,7 +4910,7 @@
           <a:p>
             <a:r>
               <a:rPr lang="de-DE" dirty="0"/>
-              <a:t>REST – Sechs Prinzipien</a:t>
+              <a:t>gRPC – Nachteile		</a:t>
             </a:r>
           </a:p>
         </p:txBody>
@@ -4929,7 +4920,7 @@
           <p:cNvPr id="3" name="Inhaltsplatzhalter 2">
             <a:extLst>
               <a:ext uri="{FF2B5EF4-FFF2-40B4-BE49-F238E27FC236}">
-                <a16:creationId xmlns:a16="http://schemas.microsoft.com/office/drawing/2014/main" id="{F382C999-BE79-4827-B4DA-F95A34878170}"/>
+                <a16:creationId xmlns:a16="http://schemas.microsoft.com/office/drawing/2014/main" id="{03DA1705-1692-4CBC-836E-56202067DA66}"/>
               </a:ext>
             </a:extLst>
           </p:cNvPr>
@@ -4947,42 +4938,21 @@
           <a:p>
             <a:r>
               <a:rPr lang="de-DE" dirty="0"/>
-              <a:t>Client-Server</a:t>
-            </a:r>
-          </a:p>
-          <a:p>
-            <a:r>
-              <a:rPr lang="de-DE" dirty="0" err="1"/>
-              <a:t>Stateless</a:t>
-            </a:r>
-            <a:endParaRPr lang="de-DE" dirty="0"/>
-          </a:p>
-          <a:p>
-            <a:r>
-              <a:rPr lang="de-DE" dirty="0"/>
-              <a:t>Cache</a:t>
-            </a:r>
-          </a:p>
-          <a:p>
-            <a:r>
-              <a:rPr lang="de-DE" dirty="0"/>
-              <a:t>Uniform-Interface</a:t>
-            </a:r>
-          </a:p>
-          <a:p>
-            <a:r>
-              <a:rPr lang="de-DE" dirty="0" err="1"/>
-              <a:t>Layered</a:t>
-            </a:r>
-            <a:r>
-              <a:rPr lang="de-DE" dirty="0"/>
-              <a:t> System</a:t>
-            </a:r>
-          </a:p>
-          <a:p>
-            <a:r>
-              <a:rPr lang="de-DE" dirty="0"/>
-              <a:t>Code-On-Demand</a:t>
+              <a:t>Browserinkompatibilität</a:t>
+            </a:r>
+          </a:p>
+          <a:p>
+            <a:pPr lvl="1"/>
+            <a:r>
+              <a:rPr lang="de-DE" dirty="0"/>
+              <a:t>Aktuelle gRPC-Bibliotheken durch technische Limitierungen beschränkt</a:t>
+            </a:r>
+          </a:p>
+          <a:p>
+            <a:pPr lvl="1"/>
+            <a:r>
+              <a:rPr lang="de-DE" dirty="0"/>
+              <a:t>Proxydienst </a:t>
             </a:r>
           </a:p>
         </p:txBody>
@@ -4992,7 +4962,7 @@
           <p:cNvPr id="4" name="Foliennummernplatzhalter 3">
             <a:extLst>
               <a:ext uri="{FF2B5EF4-FFF2-40B4-BE49-F238E27FC236}">
-                <a16:creationId xmlns:a16="http://schemas.microsoft.com/office/drawing/2014/main" id="{CDABA042-AE04-4822-8AB0-832C400E8BAA}"/>
+                <a16:creationId xmlns:a16="http://schemas.microsoft.com/office/drawing/2014/main" id="{B8EDA77D-7CFA-461B-B492-A54136B357EE}"/>
               </a:ext>
             </a:extLst>
           </p:cNvPr>
@@ -5021,7 +4991,7 @@
           <p:cNvPr id="5" name="Fußzeilenplatzhalter 4">
             <a:extLst>
               <a:ext uri="{FF2B5EF4-FFF2-40B4-BE49-F238E27FC236}">
-                <a16:creationId xmlns:a16="http://schemas.microsoft.com/office/drawing/2014/main" id="{12BA50BB-0F47-436E-A11A-2D8A7B6832EF}"/>
+                <a16:creationId xmlns:a16="http://schemas.microsoft.com/office/drawing/2014/main" id="{C495A541-5FCB-4238-91F2-E8613F71F341}"/>
               </a:ext>
             </a:extLst>
           </p:cNvPr>
@@ -5047,7 +5017,7 @@
     </p:spTree>
     <p:extLst>
       <p:ext uri="{BB962C8B-B14F-4D97-AF65-F5344CB8AC3E}">
-        <p14:creationId xmlns:p14="http://schemas.microsoft.com/office/powerpoint/2010/main" val="581448656"/>
+        <p14:creationId xmlns:p14="http://schemas.microsoft.com/office/powerpoint/2010/main" val="3892752558"/>
       </p:ext>
     </p:extLst>
   </p:cSld>
@@ -5079,7 +5049,7 @@
           <p:cNvPr id="2" name="Titel 1">
             <a:extLst>
               <a:ext uri="{FF2B5EF4-FFF2-40B4-BE49-F238E27FC236}">
-                <a16:creationId xmlns:a16="http://schemas.microsoft.com/office/drawing/2014/main" id="{C60DCF6D-DFC3-41E1-BA88-32A1F44B82F0}"/>
+                <a16:creationId xmlns:a16="http://schemas.microsoft.com/office/drawing/2014/main" id="{8D2E03BE-CD39-4F7C-8967-035C898F9EE5}"/>
               </a:ext>
             </a:extLst>
           </p:cNvPr>
@@ -5097,7 +5067,7 @@
           <a:p>
             <a:r>
               <a:rPr lang="de-DE" dirty="0"/>
-              <a:t>REST – Vorteile	</a:t>
+              <a:t>REST - Allgemein</a:t>
             </a:r>
           </a:p>
         </p:txBody>
@@ -5107,7 +5077,7 @@
           <p:cNvPr id="3" name="Inhaltsplatzhalter 2">
             <a:extLst>
               <a:ext uri="{FF2B5EF4-FFF2-40B4-BE49-F238E27FC236}">
-                <a16:creationId xmlns:a16="http://schemas.microsoft.com/office/drawing/2014/main" id="{704CFC4F-BC3F-460C-9A33-FB4D07DB058F}"/>
+                <a16:creationId xmlns:a16="http://schemas.microsoft.com/office/drawing/2014/main" id="{376AB494-AB1D-416A-AC7F-C3424B00B075}"/>
               </a:ext>
             </a:extLst>
           </p:cNvPr>
@@ -5125,13 +5095,47 @@
           <a:p>
             <a:r>
               <a:rPr lang="de-DE" dirty="0"/>
-              <a:t>Ausgereifte Lösung</a:t>
-            </a:r>
-          </a:p>
-          <a:p>
-            <a:r>
-              <a:rPr lang="de-DE" dirty="0"/>
-              <a:t>Methoden-Leitfaden</a:t>
+              <a:t>Bewährte API-Technologie</a:t>
+            </a:r>
+          </a:p>
+          <a:p>
+            <a:r>
+              <a:rPr lang="de-DE" dirty="0"/>
+              <a:t>Seit 2000 von Roy Fielding</a:t>
+            </a:r>
+          </a:p>
+          <a:p>
+            <a:r>
+              <a:rPr lang="de-DE" dirty="0"/>
+              <a:t>Kommunikation über HTTP-Anfragen</a:t>
+            </a:r>
+          </a:p>
+          <a:p>
+            <a:pPr lvl="1"/>
+            <a:r>
+              <a:rPr lang="de-DE" dirty="0"/>
+              <a:t>GET</a:t>
+            </a:r>
+          </a:p>
+          <a:p>
+            <a:pPr lvl="1"/>
+            <a:r>
+              <a:rPr lang="de-DE" dirty="0"/>
+              <a:t>POST</a:t>
+            </a:r>
+          </a:p>
+          <a:p>
+            <a:pPr lvl="1"/>
+            <a:r>
+              <a:rPr lang="de-DE" dirty="0"/>
+              <a:t>PUT</a:t>
+            </a:r>
+          </a:p>
+          <a:p>
+            <a:pPr lvl="1"/>
+            <a:r>
+              <a:rPr lang="de-DE" dirty="0"/>
+              <a:t>DELETE</a:t>
             </a:r>
           </a:p>
         </p:txBody>
@@ -5141,7 +5145,7 @@
           <p:cNvPr id="4" name="Foliennummernplatzhalter 3">
             <a:extLst>
               <a:ext uri="{FF2B5EF4-FFF2-40B4-BE49-F238E27FC236}">
-                <a16:creationId xmlns:a16="http://schemas.microsoft.com/office/drawing/2014/main" id="{64E4DB4D-C5D3-4C45-973C-8F7D3D86C06E}"/>
+                <a16:creationId xmlns:a16="http://schemas.microsoft.com/office/drawing/2014/main" id="{9DC7D920-1A03-4657-A9D8-D222D2256E27}"/>
               </a:ext>
             </a:extLst>
           </p:cNvPr>
@@ -5170,7 +5174,7 @@
           <p:cNvPr id="5" name="Fußzeilenplatzhalter 4">
             <a:extLst>
               <a:ext uri="{FF2B5EF4-FFF2-40B4-BE49-F238E27FC236}">
-                <a16:creationId xmlns:a16="http://schemas.microsoft.com/office/drawing/2014/main" id="{A4500EF7-95F6-4624-B945-711375B4339E}"/>
+                <a16:creationId xmlns:a16="http://schemas.microsoft.com/office/drawing/2014/main" id="{1A7EE7F0-A714-4331-99FB-E1B6346A4DA7}"/>
               </a:ext>
             </a:extLst>
           </p:cNvPr>
@@ -5196,7 +5200,7 @@
     </p:spTree>
     <p:extLst>
       <p:ext uri="{BB962C8B-B14F-4D97-AF65-F5344CB8AC3E}">
-        <p14:creationId xmlns:p14="http://schemas.microsoft.com/office/powerpoint/2010/main" val="702001325"/>
+        <p14:creationId xmlns:p14="http://schemas.microsoft.com/office/powerpoint/2010/main" val="3601629058"/>
       </p:ext>
     </p:extLst>
   </p:cSld>
@@ -5228,7 +5232,7 @@
           <p:cNvPr id="2" name="Titel 1">
             <a:extLst>
               <a:ext uri="{FF2B5EF4-FFF2-40B4-BE49-F238E27FC236}">
-                <a16:creationId xmlns:a16="http://schemas.microsoft.com/office/drawing/2014/main" id="{53923327-9D48-4395-8352-33E813C3DD22}"/>
+                <a16:creationId xmlns:a16="http://schemas.microsoft.com/office/drawing/2014/main" id="{FEBDAE2A-7051-4A5C-B9C9-ACB668E7FAB0}"/>
               </a:ext>
             </a:extLst>
           </p:cNvPr>
@@ -5246,7 +5250,7 @@
           <a:p>
             <a:r>
               <a:rPr lang="de-DE" dirty="0"/>
-              <a:t>REST – Nachteile	</a:t>
+              <a:t>REST – Sechs Prinzipien</a:t>
             </a:r>
           </a:p>
         </p:txBody>
@@ -5256,7 +5260,7 @@
           <p:cNvPr id="3" name="Inhaltsplatzhalter 2">
             <a:extLst>
               <a:ext uri="{FF2B5EF4-FFF2-40B4-BE49-F238E27FC236}">
-                <a16:creationId xmlns:a16="http://schemas.microsoft.com/office/drawing/2014/main" id="{E485ACFA-5E0B-429B-B08A-BB98F34E56F4}"/>
+                <a16:creationId xmlns:a16="http://schemas.microsoft.com/office/drawing/2014/main" id="{F382C999-BE79-4827-B4DA-F95A34878170}"/>
               </a:ext>
             </a:extLst>
           </p:cNvPr>
@@ -5274,13 +5278,42 @@
           <a:p>
             <a:r>
               <a:rPr lang="de-DE" dirty="0"/>
-              <a:t>Fehlerhafte REST-Implementierungen</a:t>
-            </a:r>
-          </a:p>
-          <a:p>
-            <a:r>
-              <a:rPr lang="de-DE" dirty="0"/>
-              <a:t>Overhead durch die Prinzipien</a:t>
+              <a:t>Client-Server</a:t>
+            </a:r>
+          </a:p>
+          <a:p>
+            <a:r>
+              <a:rPr lang="de-DE" dirty="0" err="1"/>
+              <a:t>Stateless</a:t>
+            </a:r>
+            <a:endParaRPr lang="de-DE" dirty="0"/>
+          </a:p>
+          <a:p>
+            <a:r>
+              <a:rPr lang="de-DE" dirty="0"/>
+              <a:t>Cache</a:t>
+            </a:r>
+          </a:p>
+          <a:p>
+            <a:r>
+              <a:rPr lang="de-DE" dirty="0"/>
+              <a:t>Uniform-Interface inkl. HATEOAS</a:t>
+            </a:r>
+          </a:p>
+          <a:p>
+            <a:r>
+              <a:rPr lang="de-DE" dirty="0" err="1"/>
+              <a:t>Layered</a:t>
+            </a:r>
+            <a:r>
+              <a:rPr lang="de-DE" dirty="0"/>
+              <a:t> System</a:t>
+            </a:r>
+          </a:p>
+          <a:p>
+            <a:r>
+              <a:rPr lang="de-DE" dirty="0"/>
+              <a:t>Optional: Code-On-Demand</a:t>
             </a:r>
           </a:p>
         </p:txBody>
@@ -5290,7 +5323,7 @@
           <p:cNvPr id="4" name="Foliennummernplatzhalter 3">
             <a:extLst>
               <a:ext uri="{FF2B5EF4-FFF2-40B4-BE49-F238E27FC236}">
-                <a16:creationId xmlns:a16="http://schemas.microsoft.com/office/drawing/2014/main" id="{CD72727C-9F6D-4C5A-BD08-608D59DFFCAC}"/>
+                <a16:creationId xmlns:a16="http://schemas.microsoft.com/office/drawing/2014/main" id="{CDABA042-AE04-4822-8AB0-832C400E8BAA}"/>
               </a:ext>
             </a:extLst>
           </p:cNvPr>
@@ -5319,7 +5352,7 @@
           <p:cNvPr id="5" name="Fußzeilenplatzhalter 4">
             <a:extLst>
               <a:ext uri="{FF2B5EF4-FFF2-40B4-BE49-F238E27FC236}">
-                <a16:creationId xmlns:a16="http://schemas.microsoft.com/office/drawing/2014/main" id="{61A01072-D868-4B95-B974-6FC176015352}"/>
+                <a16:creationId xmlns:a16="http://schemas.microsoft.com/office/drawing/2014/main" id="{12BA50BB-0F47-436E-A11A-2D8A7B6832EF}"/>
               </a:ext>
             </a:extLst>
           </p:cNvPr>
@@ -5345,7 +5378,7 @@
     </p:spTree>
     <p:extLst>
       <p:ext uri="{BB962C8B-B14F-4D97-AF65-F5344CB8AC3E}">
-        <p14:creationId xmlns:p14="http://schemas.microsoft.com/office/powerpoint/2010/main" val="1476592971"/>
+        <p14:creationId xmlns:p14="http://schemas.microsoft.com/office/powerpoint/2010/main" val="581448656"/>
       </p:ext>
     </p:extLst>
   </p:cSld>
@@ -5377,7 +5410,7 @@
           <p:cNvPr id="2" name="Titel 1">
             <a:extLst>
               <a:ext uri="{FF2B5EF4-FFF2-40B4-BE49-F238E27FC236}">
-                <a16:creationId xmlns:a16="http://schemas.microsoft.com/office/drawing/2014/main" id="{AF1377FA-2435-4C65-A437-5DDAED4B5BAD}"/>
+                <a16:creationId xmlns:a16="http://schemas.microsoft.com/office/drawing/2014/main" id="{C60DCF6D-DFC3-41E1-BA88-32A1F44B82F0}"/>
               </a:ext>
             </a:extLst>
           </p:cNvPr>
@@ -5394,12 +5427,8 @@
           <a:lstStyle/>
           <a:p>
             <a:r>
-              <a:rPr lang="de-DE" dirty="0" err="1"/>
-              <a:t>GraphQL</a:t>
-            </a:r>
-            <a:r>
-              <a:rPr lang="de-DE" dirty="0"/>
-              <a:t> – Allgemein	</a:t>
+              <a:rPr lang="de-DE" dirty="0"/>
+              <a:t>REST – Vorteile	</a:t>
             </a:r>
           </a:p>
         </p:txBody>
@@ -5409,7 +5438,7 @@
           <p:cNvPr id="3" name="Inhaltsplatzhalter 2">
             <a:extLst>
               <a:ext uri="{FF2B5EF4-FFF2-40B4-BE49-F238E27FC236}">
-                <a16:creationId xmlns:a16="http://schemas.microsoft.com/office/drawing/2014/main" id="{BBFFA9A4-04DF-41DD-A59E-8FAF4D695C4D}"/>
+                <a16:creationId xmlns:a16="http://schemas.microsoft.com/office/drawing/2014/main" id="{704CFC4F-BC3F-460C-9A33-FB4D07DB058F}"/>
               </a:ext>
             </a:extLst>
           </p:cNvPr>
@@ -5427,27 +5456,14 @@
           <a:p>
             <a:r>
               <a:rPr lang="de-DE" dirty="0"/>
-              <a:t>Von Facebook entwickelt</a:t>
-            </a:r>
-          </a:p>
-          <a:p>
-            <a:r>
-              <a:rPr lang="de-DE" dirty="0"/>
-              <a:t>Query-Anfragen</a:t>
-            </a:r>
-          </a:p>
-          <a:p>
-            <a:r>
-              <a:rPr lang="de-DE" dirty="0"/>
-              <a:t>Viele Client-Arten</a:t>
-            </a:r>
-          </a:p>
-          <a:p>
-            <a:r>
-              <a:rPr lang="de-DE" dirty="0" err="1"/>
-              <a:t>GraphiQL</a:t>
-            </a:r>
-            <a:endParaRPr lang="de-DE" dirty="0"/>
+              <a:t>Ausgereifte Lösung</a:t>
+            </a:r>
+          </a:p>
+          <a:p>
+            <a:r>
+              <a:rPr lang="de-DE" dirty="0"/>
+              <a:t>Methoden-Leitfaden</a:t>
+            </a:r>
           </a:p>
         </p:txBody>
       </p:sp>
@@ -5456,7 +5472,7 @@
           <p:cNvPr id="4" name="Foliennummernplatzhalter 3">
             <a:extLst>
               <a:ext uri="{FF2B5EF4-FFF2-40B4-BE49-F238E27FC236}">
-                <a16:creationId xmlns:a16="http://schemas.microsoft.com/office/drawing/2014/main" id="{C23B86B9-9FC0-4BFA-A85D-944AC024B436}"/>
+                <a16:creationId xmlns:a16="http://schemas.microsoft.com/office/drawing/2014/main" id="{64E4DB4D-C5D3-4C45-973C-8F7D3D86C06E}"/>
               </a:ext>
             </a:extLst>
           </p:cNvPr>
@@ -5485,7 +5501,7 @@
           <p:cNvPr id="5" name="Fußzeilenplatzhalter 4">
             <a:extLst>
               <a:ext uri="{FF2B5EF4-FFF2-40B4-BE49-F238E27FC236}">
-                <a16:creationId xmlns:a16="http://schemas.microsoft.com/office/drawing/2014/main" id="{F419DE5C-9E75-41CC-9A5C-4845AA2C2E60}"/>
+                <a16:creationId xmlns:a16="http://schemas.microsoft.com/office/drawing/2014/main" id="{A4500EF7-95F6-4624-B945-711375B4339E}"/>
               </a:ext>
             </a:extLst>
           </p:cNvPr>
@@ -5511,7 +5527,7 @@
     </p:spTree>
     <p:extLst>
       <p:ext uri="{BB962C8B-B14F-4D97-AF65-F5344CB8AC3E}">
-        <p14:creationId xmlns:p14="http://schemas.microsoft.com/office/powerpoint/2010/main" val="4126727332"/>
+        <p14:creationId xmlns:p14="http://schemas.microsoft.com/office/powerpoint/2010/main" val="702001325"/>
       </p:ext>
     </p:extLst>
   </p:cSld>
@@ -5728,7 +5744,7 @@
           <p:cNvPr id="2" name="Titel 1">
             <a:extLst>
               <a:ext uri="{FF2B5EF4-FFF2-40B4-BE49-F238E27FC236}">
-                <a16:creationId xmlns:a16="http://schemas.microsoft.com/office/drawing/2014/main" id="{53A4D78B-C815-4691-8C72-CDFD54B46C19}"/>
+                <a16:creationId xmlns:a16="http://schemas.microsoft.com/office/drawing/2014/main" id="{53923327-9D48-4395-8352-33E813C3DD22}"/>
               </a:ext>
             </a:extLst>
           </p:cNvPr>
@@ -5745,12 +5761,8 @@
           <a:lstStyle/>
           <a:p>
             <a:r>
-              <a:rPr lang="de-DE" dirty="0" err="1"/>
-              <a:t>GraphQL</a:t>
-            </a:r>
-            <a:r>
-              <a:rPr lang="de-DE" dirty="0"/>
-              <a:t> – Vorteile	</a:t>
+              <a:rPr lang="de-DE" dirty="0"/>
+              <a:t>REST – Nachteile	</a:t>
             </a:r>
           </a:p>
         </p:txBody>
@@ -5760,7 +5772,7 @@
           <p:cNvPr id="3" name="Inhaltsplatzhalter 2">
             <a:extLst>
               <a:ext uri="{FF2B5EF4-FFF2-40B4-BE49-F238E27FC236}">
-                <a16:creationId xmlns:a16="http://schemas.microsoft.com/office/drawing/2014/main" id="{710910FD-8204-40B0-BE1A-28CC8547909F}"/>
+                <a16:creationId xmlns:a16="http://schemas.microsoft.com/office/drawing/2014/main" id="{E485ACFA-5E0B-429B-B08A-BB98F34E56F4}"/>
               </a:ext>
             </a:extLst>
           </p:cNvPr>
@@ -5778,11 +5790,14 @@
           <a:p>
             <a:r>
               <a:rPr lang="de-DE" dirty="0"/>
-              <a:t>Optimale Datenrückgabe</a:t>
-            </a:r>
-          </a:p>
-          <a:p>
-            <a:endParaRPr lang="de-DE" dirty="0"/>
+              <a:t>Fehlerhafte REST-Implementierungen</a:t>
+            </a:r>
+          </a:p>
+          <a:p>
+            <a:r>
+              <a:rPr lang="de-DE" dirty="0"/>
+              <a:t>Overhead durch die Prinzipien</a:t>
+            </a:r>
           </a:p>
         </p:txBody>
       </p:sp>
@@ -5791,7 +5806,7 @@
           <p:cNvPr id="4" name="Foliennummernplatzhalter 3">
             <a:extLst>
               <a:ext uri="{FF2B5EF4-FFF2-40B4-BE49-F238E27FC236}">
-                <a16:creationId xmlns:a16="http://schemas.microsoft.com/office/drawing/2014/main" id="{9EC3F893-3DE8-4575-839D-1917A4A2D563}"/>
+                <a16:creationId xmlns:a16="http://schemas.microsoft.com/office/drawing/2014/main" id="{CD72727C-9F6D-4C5A-BD08-608D59DFFCAC}"/>
               </a:ext>
             </a:extLst>
           </p:cNvPr>
@@ -5820,7 +5835,7 @@
           <p:cNvPr id="5" name="Fußzeilenplatzhalter 4">
             <a:extLst>
               <a:ext uri="{FF2B5EF4-FFF2-40B4-BE49-F238E27FC236}">
-                <a16:creationId xmlns:a16="http://schemas.microsoft.com/office/drawing/2014/main" id="{666F5365-8717-4A4D-9D32-8CD14E43E700}"/>
+                <a16:creationId xmlns:a16="http://schemas.microsoft.com/office/drawing/2014/main" id="{61A01072-D868-4B95-B974-6FC176015352}"/>
               </a:ext>
             </a:extLst>
           </p:cNvPr>
@@ -5846,7 +5861,7 @@
     </p:spTree>
     <p:extLst>
       <p:ext uri="{BB962C8B-B14F-4D97-AF65-F5344CB8AC3E}">
-        <p14:creationId xmlns:p14="http://schemas.microsoft.com/office/powerpoint/2010/main" val="529009510"/>
+        <p14:creationId xmlns:p14="http://schemas.microsoft.com/office/powerpoint/2010/main" val="1476592971"/>
       </p:ext>
     </p:extLst>
   </p:cSld>
@@ -5878,7 +5893,7 @@
           <p:cNvPr id="2" name="Titel 1">
             <a:extLst>
               <a:ext uri="{FF2B5EF4-FFF2-40B4-BE49-F238E27FC236}">
-                <a16:creationId xmlns:a16="http://schemas.microsoft.com/office/drawing/2014/main" id="{4313DBAB-207C-424C-BC7C-9EE08BFDECB5}"/>
+                <a16:creationId xmlns:a16="http://schemas.microsoft.com/office/drawing/2014/main" id="{AF1377FA-2435-4C65-A437-5DDAED4B5BAD}"/>
               </a:ext>
             </a:extLst>
           </p:cNvPr>
@@ -5900,7 +5915,7 @@
             </a:r>
             <a:r>
               <a:rPr lang="de-DE" dirty="0"/>
-              <a:t> – Nachteile	</a:t>
+              <a:t> – Allgemein	</a:t>
             </a:r>
           </a:p>
         </p:txBody>
@@ -5910,7 +5925,7 @@
           <p:cNvPr id="3" name="Inhaltsplatzhalter 2">
             <a:extLst>
               <a:ext uri="{FF2B5EF4-FFF2-40B4-BE49-F238E27FC236}">
-                <a16:creationId xmlns:a16="http://schemas.microsoft.com/office/drawing/2014/main" id="{06C2F158-F933-4662-A17F-9EE93040506D}"/>
+                <a16:creationId xmlns:a16="http://schemas.microsoft.com/office/drawing/2014/main" id="{BBFFA9A4-04DF-41DD-A59E-8FAF4D695C4D}"/>
               </a:ext>
             </a:extLst>
           </p:cNvPr>
@@ -5928,28 +5943,27 @@
           <a:p>
             <a:r>
               <a:rPr lang="de-DE" dirty="0"/>
-              <a:t>Standardmäßig kein Caching</a:t>
-            </a:r>
-          </a:p>
-          <a:p>
-            <a:pPr lvl="1"/>
-            <a:r>
-              <a:rPr lang="de-DE" dirty="0"/>
-              <a:t>Nur ermöglicht durch Client-Bibliotheken</a:t>
-            </a:r>
-          </a:p>
-          <a:p>
-            <a:r>
-              <a:rPr lang="de-DE" dirty="0"/>
-              <a:t>Kein Datei-Upload</a:t>
-            </a:r>
-          </a:p>
-          <a:p>
-            <a:pPr lvl="1"/>
-            <a:r>
-              <a:rPr lang="de-DE" dirty="0"/>
-              <a:t>Benötigt zusätzliche Bibliothek oder REST-API</a:t>
-            </a:r>
+              <a:t>Von Facebook entwickelt</a:t>
+            </a:r>
+          </a:p>
+          <a:p>
+            <a:r>
+              <a:rPr lang="de-DE" dirty="0"/>
+              <a:t>Query-Anfragen</a:t>
+            </a:r>
+          </a:p>
+          <a:p>
+            <a:r>
+              <a:rPr lang="de-DE" dirty="0"/>
+              <a:t>Viele Client-Arten</a:t>
+            </a:r>
+          </a:p>
+          <a:p>
+            <a:r>
+              <a:rPr lang="de-DE" dirty="0" err="1"/>
+              <a:t>GraphiQL</a:t>
+            </a:r>
+            <a:endParaRPr lang="de-DE" dirty="0"/>
           </a:p>
         </p:txBody>
       </p:sp>
@@ -5958,7 +5972,7 @@
           <p:cNvPr id="4" name="Foliennummernplatzhalter 3">
             <a:extLst>
               <a:ext uri="{FF2B5EF4-FFF2-40B4-BE49-F238E27FC236}">
-                <a16:creationId xmlns:a16="http://schemas.microsoft.com/office/drawing/2014/main" id="{558347A6-8815-4A12-BAEA-CE3C5FB49B68}"/>
+                <a16:creationId xmlns:a16="http://schemas.microsoft.com/office/drawing/2014/main" id="{C23B86B9-9FC0-4BFA-A85D-944AC024B436}"/>
               </a:ext>
             </a:extLst>
           </p:cNvPr>
@@ -5977,6 +5991,334 @@
             <a:fld id="{25CE93BE-EA2B-4B23-A2D3-372777BB019B}" type="slidenum">
               <a:rPr lang="de-DE" smtClean="0"/>
               <a:t>21</a:t>
+            </a:fld>
+            <a:endParaRPr lang="de-DE"/>
+          </a:p>
+        </p:txBody>
+      </p:sp>
+      <p:sp>
+        <p:nvSpPr>
+          <p:cNvPr id="5" name="Fußzeilenplatzhalter 4">
+            <a:extLst>
+              <a:ext uri="{FF2B5EF4-FFF2-40B4-BE49-F238E27FC236}">
+                <a16:creationId xmlns:a16="http://schemas.microsoft.com/office/drawing/2014/main" id="{F419DE5C-9E75-41CC-9A5C-4845AA2C2E60}"/>
+              </a:ext>
+            </a:extLst>
+          </p:cNvPr>
+          <p:cNvSpPr>
+            <a:spLocks noGrp="1"/>
+          </p:cNvSpPr>
+          <p:nvPr>
+            <p:ph type="ftr" sz="quarter" idx="11"/>
+          </p:nvPr>
+        </p:nvSpPr>
+        <p:spPr/>
+        <p:txBody>
+          <a:bodyPr/>
+          <a:lstStyle/>
+          <a:p>
+            <a:r>
+              <a:rPr lang="de-DE"/>
+              <a:t>Fynn Klöpper - NodeJS &amp; API-Technologien</a:t>
+            </a:r>
+          </a:p>
+        </p:txBody>
+      </p:sp>
+    </p:spTree>
+    <p:extLst>
+      <p:ext uri="{BB962C8B-B14F-4D97-AF65-F5344CB8AC3E}">
+        <p14:creationId xmlns:p14="http://schemas.microsoft.com/office/powerpoint/2010/main" val="4126727332"/>
+      </p:ext>
+    </p:extLst>
+  </p:cSld>
+  <p:clrMapOvr>
+    <a:masterClrMapping/>
+  </p:clrMapOvr>
+</p:sld>
+</file>
+
+<file path=ppt/slides/slide22.xml><?xml version="1.0" encoding="utf-8"?>
+<p:sld xmlns:a="http://schemas.openxmlformats.org/drawingml/2006/main" xmlns:r="http://schemas.openxmlformats.org/officeDocument/2006/relationships" xmlns:p="http://schemas.openxmlformats.org/presentationml/2006/main">
+  <p:cSld>
+    <p:spTree>
+      <p:nvGrpSpPr>
+        <p:cNvPr id="1" name=""/>
+        <p:cNvGrpSpPr/>
+        <p:nvPr/>
+      </p:nvGrpSpPr>
+      <p:grpSpPr>
+        <a:xfrm>
+          <a:off x="0" y="0"/>
+          <a:ext cx="0" cy="0"/>
+          <a:chOff x="0" y="0"/>
+          <a:chExt cx="0" cy="0"/>
+        </a:xfrm>
+      </p:grpSpPr>
+      <p:sp>
+        <p:nvSpPr>
+          <p:cNvPr id="2" name="Titel 1">
+            <a:extLst>
+              <a:ext uri="{FF2B5EF4-FFF2-40B4-BE49-F238E27FC236}">
+                <a16:creationId xmlns:a16="http://schemas.microsoft.com/office/drawing/2014/main" id="{53A4D78B-C815-4691-8C72-CDFD54B46C19}"/>
+              </a:ext>
+            </a:extLst>
+          </p:cNvPr>
+          <p:cNvSpPr>
+            <a:spLocks noGrp="1"/>
+          </p:cNvSpPr>
+          <p:nvPr>
+            <p:ph type="title"/>
+          </p:nvPr>
+        </p:nvSpPr>
+        <p:spPr/>
+        <p:txBody>
+          <a:bodyPr/>
+          <a:lstStyle/>
+          <a:p>
+            <a:r>
+              <a:rPr lang="de-DE" dirty="0" err="1"/>
+              <a:t>GraphQL</a:t>
+            </a:r>
+            <a:r>
+              <a:rPr lang="de-DE" dirty="0"/>
+              <a:t> – Vorteile	</a:t>
+            </a:r>
+          </a:p>
+        </p:txBody>
+      </p:sp>
+      <p:sp>
+        <p:nvSpPr>
+          <p:cNvPr id="3" name="Inhaltsplatzhalter 2">
+            <a:extLst>
+              <a:ext uri="{FF2B5EF4-FFF2-40B4-BE49-F238E27FC236}">
+                <a16:creationId xmlns:a16="http://schemas.microsoft.com/office/drawing/2014/main" id="{710910FD-8204-40B0-BE1A-28CC8547909F}"/>
+              </a:ext>
+            </a:extLst>
+          </p:cNvPr>
+          <p:cNvSpPr>
+            <a:spLocks noGrp="1"/>
+          </p:cNvSpPr>
+          <p:nvPr>
+            <p:ph idx="1"/>
+          </p:nvPr>
+        </p:nvSpPr>
+        <p:spPr/>
+        <p:txBody>
+          <a:bodyPr/>
+          <a:lstStyle/>
+          <a:p>
+            <a:r>
+              <a:rPr lang="de-DE" dirty="0"/>
+              <a:t>Optimale Datenrückgabe durch </a:t>
+            </a:r>
+            <a:r>
+              <a:rPr lang="de-DE" dirty="0" err="1"/>
+              <a:t>Queries</a:t>
+            </a:r>
+            <a:endParaRPr lang="de-DE" dirty="0"/>
+          </a:p>
+          <a:p>
+            <a:r>
+              <a:rPr lang="de-DE" dirty="0"/>
+              <a:t>Viele Client-Arten auf einmal bedient</a:t>
+            </a:r>
+          </a:p>
+          <a:p>
+            <a:endParaRPr lang="de-DE" dirty="0"/>
+          </a:p>
+        </p:txBody>
+      </p:sp>
+      <p:sp>
+        <p:nvSpPr>
+          <p:cNvPr id="4" name="Foliennummernplatzhalter 3">
+            <a:extLst>
+              <a:ext uri="{FF2B5EF4-FFF2-40B4-BE49-F238E27FC236}">
+                <a16:creationId xmlns:a16="http://schemas.microsoft.com/office/drawing/2014/main" id="{9EC3F893-3DE8-4575-839D-1917A4A2D563}"/>
+              </a:ext>
+            </a:extLst>
+          </p:cNvPr>
+          <p:cNvSpPr>
+            <a:spLocks noGrp="1"/>
+          </p:cNvSpPr>
+          <p:nvPr>
+            <p:ph type="sldNum" sz="quarter" idx="12"/>
+          </p:nvPr>
+        </p:nvSpPr>
+        <p:spPr/>
+        <p:txBody>
+          <a:bodyPr/>
+          <a:lstStyle/>
+          <a:p>
+            <a:fld id="{25CE93BE-EA2B-4B23-A2D3-372777BB019B}" type="slidenum">
+              <a:rPr lang="de-DE" smtClean="0"/>
+              <a:t>22</a:t>
+            </a:fld>
+            <a:endParaRPr lang="de-DE"/>
+          </a:p>
+        </p:txBody>
+      </p:sp>
+      <p:sp>
+        <p:nvSpPr>
+          <p:cNvPr id="5" name="Fußzeilenplatzhalter 4">
+            <a:extLst>
+              <a:ext uri="{FF2B5EF4-FFF2-40B4-BE49-F238E27FC236}">
+                <a16:creationId xmlns:a16="http://schemas.microsoft.com/office/drawing/2014/main" id="{666F5365-8717-4A4D-9D32-8CD14E43E700}"/>
+              </a:ext>
+            </a:extLst>
+          </p:cNvPr>
+          <p:cNvSpPr>
+            <a:spLocks noGrp="1"/>
+          </p:cNvSpPr>
+          <p:nvPr>
+            <p:ph type="ftr" sz="quarter" idx="11"/>
+          </p:nvPr>
+        </p:nvSpPr>
+        <p:spPr/>
+        <p:txBody>
+          <a:bodyPr/>
+          <a:lstStyle/>
+          <a:p>
+            <a:r>
+              <a:rPr lang="de-DE"/>
+              <a:t>Fynn Klöpper - NodeJS &amp; API-Technologien</a:t>
+            </a:r>
+          </a:p>
+        </p:txBody>
+      </p:sp>
+    </p:spTree>
+    <p:extLst>
+      <p:ext uri="{BB962C8B-B14F-4D97-AF65-F5344CB8AC3E}">
+        <p14:creationId xmlns:p14="http://schemas.microsoft.com/office/powerpoint/2010/main" val="529009510"/>
+      </p:ext>
+    </p:extLst>
+  </p:cSld>
+  <p:clrMapOvr>
+    <a:masterClrMapping/>
+  </p:clrMapOvr>
+</p:sld>
+</file>
+
+<file path=ppt/slides/slide23.xml><?xml version="1.0" encoding="utf-8"?>
+<p:sld xmlns:a="http://schemas.openxmlformats.org/drawingml/2006/main" xmlns:r="http://schemas.openxmlformats.org/officeDocument/2006/relationships" xmlns:p="http://schemas.openxmlformats.org/presentationml/2006/main">
+  <p:cSld>
+    <p:spTree>
+      <p:nvGrpSpPr>
+        <p:cNvPr id="1" name=""/>
+        <p:cNvGrpSpPr/>
+        <p:nvPr/>
+      </p:nvGrpSpPr>
+      <p:grpSpPr>
+        <a:xfrm>
+          <a:off x="0" y="0"/>
+          <a:ext cx="0" cy="0"/>
+          <a:chOff x="0" y="0"/>
+          <a:chExt cx="0" cy="0"/>
+        </a:xfrm>
+      </p:grpSpPr>
+      <p:sp>
+        <p:nvSpPr>
+          <p:cNvPr id="2" name="Titel 1">
+            <a:extLst>
+              <a:ext uri="{FF2B5EF4-FFF2-40B4-BE49-F238E27FC236}">
+                <a16:creationId xmlns:a16="http://schemas.microsoft.com/office/drawing/2014/main" id="{4313DBAB-207C-424C-BC7C-9EE08BFDECB5}"/>
+              </a:ext>
+            </a:extLst>
+          </p:cNvPr>
+          <p:cNvSpPr>
+            <a:spLocks noGrp="1"/>
+          </p:cNvSpPr>
+          <p:nvPr>
+            <p:ph type="title"/>
+          </p:nvPr>
+        </p:nvSpPr>
+        <p:spPr/>
+        <p:txBody>
+          <a:bodyPr/>
+          <a:lstStyle/>
+          <a:p>
+            <a:r>
+              <a:rPr lang="de-DE" dirty="0" err="1"/>
+              <a:t>GraphQL</a:t>
+            </a:r>
+            <a:r>
+              <a:rPr lang="de-DE" dirty="0"/>
+              <a:t> – Nachteile	</a:t>
+            </a:r>
+          </a:p>
+        </p:txBody>
+      </p:sp>
+      <p:sp>
+        <p:nvSpPr>
+          <p:cNvPr id="3" name="Inhaltsplatzhalter 2">
+            <a:extLst>
+              <a:ext uri="{FF2B5EF4-FFF2-40B4-BE49-F238E27FC236}">
+                <a16:creationId xmlns:a16="http://schemas.microsoft.com/office/drawing/2014/main" id="{06C2F158-F933-4662-A17F-9EE93040506D}"/>
+              </a:ext>
+            </a:extLst>
+          </p:cNvPr>
+          <p:cNvSpPr>
+            <a:spLocks noGrp="1"/>
+          </p:cNvSpPr>
+          <p:nvPr>
+            <p:ph idx="1"/>
+          </p:nvPr>
+        </p:nvSpPr>
+        <p:spPr/>
+        <p:txBody>
+          <a:bodyPr/>
+          <a:lstStyle/>
+          <a:p>
+            <a:r>
+              <a:rPr lang="de-DE" dirty="0"/>
+              <a:t>Standardmäßig kein Caching</a:t>
+            </a:r>
+          </a:p>
+          <a:p>
+            <a:pPr lvl="1"/>
+            <a:r>
+              <a:rPr lang="de-DE" dirty="0"/>
+              <a:t>Nur ermöglicht durch Client-Bibliotheken</a:t>
+            </a:r>
+          </a:p>
+          <a:p>
+            <a:r>
+              <a:rPr lang="de-DE" dirty="0"/>
+              <a:t>Kein Datei-Upload</a:t>
+            </a:r>
+          </a:p>
+          <a:p>
+            <a:pPr lvl="1"/>
+            <a:r>
+              <a:rPr lang="de-DE" dirty="0"/>
+              <a:t>Benötigt zusätzliche Bibliothek oder REST-API</a:t>
+            </a:r>
+          </a:p>
+        </p:txBody>
+      </p:sp>
+      <p:sp>
+        <p:nvSpPr>
+          <p:cNvPr id="4" name="Foliennummernplatzhalter 3">
+            <a:extLst>
+              <a:ext uri="{FF2B5EF4-FFF2-40B4-BE49-F238E27FC236}">
+                <a16:creationId xmlns:a16="http://schemas.microsoft.com/office/drawing/2014/main" id="{558347A6-8815-4A12-BAEA-CE3C5FB49B68}"/>
+              </a:ext>
+            </a:extLst>
+          </p:cNvPr>
+          <p:cNvSpPr>
+            <a:spLocks noGrp="1"/>
+          </p:cNvSpPr>
+          <p:nvPr>
+            <p:ph type="sldNum" sz="quarter" idx="12"/>
+          </p:nvPr>
+        </p:nvSpPr>
+        <p:spPr/>
+        <p:txBody>
+          <a:bodyPr/>
+          <a:lstStyle/>
+          <a:p>
+            <a:fld id="{25CE93BE-EA2B-4B23-A2D3-372777BB019B}" type="slidenum">
+              <a:rPr lang="de-DE" smtClean="0"/>
+              <a:t>23</a:t>
             </a:fld>
             <a:endParaRPr lang="de-DE"/>
           </a:p>
@@ -6023,7 +6365,7 @@
 </p:sld>
 </file>
 
-<file path=ppt/slides/slide22.xml><?xml version="1.0" encoding="utf-8"?>
+<file path=ppt/slides/slide24.xml><?xml version="1.0" encoding="utf-8"?>
 <p:sld xmlns:a="http://schemas.openxmlformats.org/drawingml/2006/main" xmlns:r="http://schemas.openxmlformats.org/officeDocument/2006/relationships" xmlns:p="http://schemas.openxmlformats.org/presentationml/2006/main">
   <p:cSld>
     <p:spTree>
@@ -6562,7 +6904,7 @@
           <a:p>
             <a:fld id="{25CE93BE-EA2B-4B23-A2D3-372777BB019B}" type="slidenum">
               <a:rPr lang="de-DE" smtClean="0"/>
-              <a:t>22</a:t>
+              <a:t>24</a:t>
             </a:fld>
             <a:endParaRPr lang="de-DE"/>
           </a:p>
@@ -6609,7 +6951,7 @@
 </p:sld>
 </file>
 
-<file path=ppt/slides/slide23.xml><?xml version="1.0" encoding="utf-8"?>
+<file path=ppt/slides/slide25.xml><?xml version="1.0" encoding="utf-8"?>
 <p:sld xmlns:a="http://schemas.openxmlformats.org/drawingml/2006/main" xmlns:r="http://schemas.openxmlformats.org/officeDocument/2006/relationships" xmlns:p="http://schemas.openxmlformats.org/presentationml/2006/main">
   <p:cSld>
     <p:spTree>
@@ -6720,7 +7062,7 @@
           <a:p>
             <a:fld id="{25CE93BE-EA2B-4B23-A2D3-372777BB019B}" type="slidenum">
               <a:rPr lang="de-DE" smtClean="0"/>
-              <a:t>23</a:t>
+              <a:t>25</a:t>
             </a:fld>
             <a:endParaRPr lang="de-DE"/>
           </a:p>
